--- a/study/송암전_김동규.pptx
+++ b/study/송암전_김동규.pptx
@@ -3511,8 +3511,8 @@
         </p:nvSpPr>
         <p:spPr>
           <a:xfrm>
-            <a:off x="7143210" y="4517737"/>
-            <a:ext cx="1391728" cy="584775"/>
+            <a:off x="7131188" y="4517737"/>
+            <a:ext cx="1415773" cy="584775"/>
           </a:xfrm>
           <a:prstGeom prst="rect">
             <a:avLst/>
@@ -3527,12 +3527,12 @@
           <a:p>
             <a:pPr algn="ctr"/>
             <a:r>
-              <a:rPr lang="ko-KR" altLang="en-US" sz="3200" b="1" smtClean="0">
+              <a:rPr lang="ko-KR" altLang="en-US" sz="3200" b="1" dirty="0" smtClean="0">
                 <a:solidFill>
                   <a:schemeClr val="bg1"/>
                 </a:solidFill>
-                <a:latin typeface="+mj-lt"/>
-                <a:ea typeface="나눔스퀘어 ExtraBold" panose="020B0600000101010101" pitchFamily="50" charset="-127"/>
+                <a:latin typeface="+mj-ea"/>
+                <a:ea typeface="+mj-ea"/>
               </a:rPr>
               <a:t>김동규</a:t>
             </a:r>
@@ -3540,9 +3540,63 @@
               <a:solidFill>
                 <a:schemeClr val="bg1"/>
               </a:solidFill>
-              <a:latin typeface="+mj-lt"/>
-              <a:ea typeface="나눔스퀘어 ExtraBold" panose="020B0600000101010101" pitchFamily="50" charset="-127"/>
+              <a:latin typeface="+mj-ea"/>
+              <a:ea typeface="+mj-ea"/>
             </a:endParaRPr>
+          </a:p>
+        </p:txBody>
+      </p:sp>
+      <p:sp>
+        <p:nvSpPr>
+          <p:cNvPr id="2" name="TextBox 1"/>
+          <p:cNvSpPr txBox="1"/>
+          <p:nvPr/>
+        </p:nvSpPr>
+        <p:spPr>
+          <a:xfrm>
+            <a:off x="6257925" y="6023491"/>
+            <a:ext cx="5572125" cy="369332"/>
+          </a:xfrm>
+          <a:prstGeom prst="rect">
+            <a:avLst/>
+          </a:prstGeom>
+          <a:noFill/>
+        </p:spPr>
+        <p:txBody>
+          <a:bodyPr wrap="square" rtlCol="0">
+            <a:spAutoFit/>
+          </a:bodyPr>
+          <a:lstStyle/>
+          <a:p>
+            <a:r>
+              <a:rPr lang="en-US" altLang="ko-KR" b="1" dirty="0"/>
+              <a:t>(</a:t>
+            </a:r>
+            <a:r>
+              <a:rPr lang="ko-KR" altLang="en-US" b="1" dirty="0" err="1"/>
+              <a:t>디지털컨버전스</a:t>
+            </a:r>
+            <a:r>
+              <a:rPr lang="en-US" altLang="ko-KR" b="1" dirty="0"/>
+              <a:t>) </a:t>
+            </a:r>
+            <a:r>
+              <a:rPr lang="ko-KR" altLang="en-US" b="1" dirty="0"/>
+              <a:t>통합 응용 </a:t>
+            </a:r>
+            <a:r>
+              <a:rPr lang="en-US" altLang="ko-KR" b="1" dirty="0"/>
+              <a:t>SW </a:t>
+            </a:r>
+            <a:r>
+              <a:rPr lang="ko-KR" altLang="en-US" b="1" dirty="0"/>
+              <a:t>개발자 </a:t>
+            </a:r>
+            <a:r>
+              <a:rPr lang="en-US" altLang="ko-KR" b="1" dirty="0"/>
+              <a:t>(C#,JAVA) </a:t>
+            </a:r>
+            <a:endParaRPr lang="ko-KR" altLang="en-US" dirty="0"/>
           </a:p>
         </p:txBody>
       </p:sp>
@@ -4199,7 +4253,7 @@
         <p:spPr>
           <a:xfrm>
             <a:off x="247345" y="153579"/>
-            <a:ext cx="819455" cy="707886"/>
+            <a:ext cx="835485" cy="707886"/>
           </a:xfrm>
           <a:prstGeom prst="rect">
             <a:avLst/>
@@ -4213,14 +4267,14 @@
           <a:lstStyle/>
           <a:p>
             <a:r>
-              <a:rPr lang="en-US" altLang="ko-KR" sz="4000" dirty="0">
+              <a:rPr lang="en-US" altLang="ko-KR" sz="4000" dirty="0" smtClean="0">
                 <a:solidFill>
                   <a:schemeClr val="bg1"/>
                 </a:solidFill>
                 <a:latin typeface="나눔스퀘어" panose="020B0600000101010101" pitchFamily="50" charset="-127"/>
                 <a:ea typeface="나눔스퀘어" panose="020B0600000101010101" pitchFamily="50" charset="-127"/>
               </a:rPr>
-              <a:t>01</a:t>
+              <a:t>02</a:t>
             </a:r>
             <a:endParaRPr lang="ko-KR" altLang="en-US" sz="4000" dirty="0">
               <a:solidFill>
@@ -4377,17 +4431,7 @@
                 <a:latin typeface="나눔스퀘어 ExtraBold" panose="020B0600000101010101" pitchFamily="50" charset="-127"/>
                 <a:ea typeface="나눔스퀘어 ExtraBold" panose="020B0600000101010101" pitchFamily="50" charset="-127"/>
               </a:rPr>
-              <a:t>소개페이지의 하나로 된 이미지를 여러 조각으로 </a:t>
-            </a:r>
-            <a:r>
-              <a:rPr lang="ko-KR" altLang="en-US" sz="2500" dirty="0" smtClean="0">
-                <a:solidFill>
-                  <a:srgbClr val="677787"/>
-                </a:solidFill>
-                <a:latin typeface="나눔스퀘어 ExtraBold" panose="020B0600000101010101" pitchFamily="50" charset="-127"/>
-                <a:ea typeface="나눔스퀘어 ExtraBold" panose="020B0600000101010101" pitchFamily="50" charset="-127"/>
-              </a:rPr>
-              <a:t>분할하여</a:t>
+              <a:t>소개페이지의 하나로 된 이미지를 여러 조각으로 분할하여</a:t>
             </a:r>
             <a:endParaRPr lang="en-US" altLang="ko-KR" sz="2500" dirty="0" smtClean="0">
               <a:solidFill>
@@ -4746,7 +4790,7 @@
         <p:spPr>
           <a:xfrm>
             <a:off x="247345" y="153579"/>
-            <a:ext cx="819455" cy="707886"/>
+            <a:ext cx="835485" cy="707886"/>
           </a:xfrm>
           <a:prstGeom prst="rect">
             <a:avLst/>
@@ -4760,14 +4804,14 @@
           <a:lstStyle/>
           <a:p>
             <a:r>
-              <a:rPr lang="en-US" altLang="ko-KR" sz="4000" dirty="0">
+              <a:rPr lang="en-US" altLang="ko-KR" sz="4000" dirty="0" smtClean="0">
                 <a:solidFill>
                   <a:schemeClr val="bg1"/>
                 </a:solidFill>
                 <a:latin typeface="나눔스퀘어" panose="020B0600000101010101" pitchFamily="50" charset="-127"/>
                 <a:ea typeface="나눔스퀘어" panose="020B0600000101010101" pitchFamily="50" charset="-127"/>
               </a:rPr>
-              <a:t>01</a:t>
+              <a:t>03</a:t>
             </a:r>
             <a:endParaRPr lang="ko-KR" altLang="en-US" sz="4000" dirty="0">
               <a:solidFill>
@@ -6537,7 +6581,7 @@
         <p:spPr>
           <a:xfrm>
             <a:off x="247345" y="153579"/>
-            <a:ext cx="819455" cy="707886"/>
+            <a:ext cx="835485" cy="707886"/>
           </a:xfrm>
           <a:prstGeom prst="rect">
             <a:avLst/>
@@ -6551,16 +6595,16 @@
           <a:lstStyle/>
           <a:p>
             <a:r>
-              <a:rPr lang="en-US" altLang="ko-KR" sz="4000">
+              <a:rPr lang="en-US" altLang="ko-KR" sz="4000" dirty="0" smtClean="0">
                 <a:solidFill>
                   <a:schemeClr val="bg1"/>
                 </a:solidFill>
                 <a:latin typeface="나눔스퀘어" panose="020B0600000101010101" pitchFamily="50" charset="-127"/>
                 <a:ea typeface="나눔스퀘어" panose="020B0600000101010101" pitchFamily="50" charset="-127"/>
               </a:rPr>
-              <a:t>01</a:t>
-            </a:r>
-            <a:endParaRPr lang="ko-KR" altLang="en-US" sz="4000">
+              <a:t>04</a:t>
+            </a:r>
+            <a:endParaRPr lang="ko-KR" altLang="en-US" sz="4000" dirty="0">
               <a:solidFill>
                 <a:schemeClr val="bg1"/>
               </a:solidFill>
@@ -7537,7 +7581,7 @@
         <p:spPr>
           <a:xfrm>
             <a:off x="247345" y="153579"/>
-            <a:ext cx="819455" cy="707886"/>
+            <a:ext cx="835485" cy="707886"/>
           </a:xfrm>
           <a:prstGeom prst="rect">
             <a:avLst/>
@@ -7551,16 +7595,16 @@
           <a:lstStyle/>
           <a:p>
             <a:r>
-              <a:rPr lang="en-US" altLang="ko-KR" sz="4000">
+              <a:rPr lang="en-US" altLang="ko-KR" sz="4000" dirty="0" smtClean="0">
                 <a:solidFill>
                   <a:schemeClr val="bg1"/>
                 </a:solidFill>
                 <a:latin typeface="나눔스퀘어" panose="020B0600000101010101" pitchFamily="50" charset="-127"/>
                 <a:ea typeface="나눔스퀘어" panose="020B0600000101010101" pitchFamily="50" charset="-127"/>
               </a:rPr>
-              <a:t>01</a:t>
-            </a:r>
-            <a:endParaRPr lang="ko-KR" altLang="en-US" sz="4000">
+              <a:t>05</a:t>
+            </a:r>
+            <a:endParaRPr lang="ko-KR" altLang="en-US" sz="4000" dirty="0">
               <a:solidFill>
                 <a:schemeClr val="bg1"/>
               </a:solidFill>
@@ -8075,7 +8119,7 @@
         <p:spPr>
           <a:xfrm>
             <a:off x="247345" y="153579"/>
-            <a:ext cx="819455" cy="707886"/>
+            <a:ext cx="835485" cy="707886"/>
           </a:xfrm>
           <a:prstGeom prst="rect">
             <a:avLst/>
@@ -8089,16 +8133,16 @@
           <a:lstStyle/>
           <a:p>
             <a:r>
-              <a:rPr lang="en-US" altLang="ko-KR" sz="4000">
+              <a:rPr lang="en-US" altLang="ko-KR" sz="4000" dirty="0" smtClean="0">
                 <a:solidFill>
                   <a:schemeClr val="bg1"/>
                 </a:solidFill>
                 <a:latin typeface="나눔스퀘어" panose="020B0600000101010101" pitchFamily="50" charset="-127"/>
                 <a:ea typeface="나눔스퀘어" panose="020B0600000101010101" pitchFamily="50" charset="-127"/>
               </a:rPr>
-              <a:t>01</a:t>
-            </a:r>
-            <a:endParaRPr lang="ko-KR" altLang="en-US" sz="4000">
+              <a:t>06</a:t>
+            </a:r>
+            <a:endParaRPr lang="ko-KR" altLang="en-US" sz="4000" dirty="0">
               <a:solidFill>
                 <a:schemeClr val="bg1"/>
               </a:solidFill>
@@ -8740,7 +8784,7 @@
         <p:spPr>
           <a:xfrm>
             <a:off x="247345" y="153579"/>
-            <a:ext cx="819455" cy="707886"/>
+            <a:ext cx="835485" cy="707886"/>
           </a:xfrm>
           <a:prstGeom prst="rect">
             <a:avLst/>
@@ -8754,16 +8798,16 @@
           <a:lstStyle/>
           <a:p>
             <a:r>
-              <a:rPr lang="en-US" altLang="ko-KR" sz="4000">
+              <a:rPr lang="en-US" altLang="ko-KR" sz="4000" dirty="0" smtClean="0">
                 <a:solidFill>
                   <a:schemeClr val="bg1"/>
                 </a:solidFill>
                 <a:latin typeface="나눔스퀘어" panose="020B0600000101010101" pitchFamily="50" charset="-127"/>
                 <a:ea typeface="나눔스퀘어" panose="020B0600000101010101" pitchFamily="50" charset="-127"/>
               </a:rPr>
-              <a:t>01</a:t>
-            </a:r>
-            <a:endParaRPr lang="ko-KR" altLang="en-US" sz="4000">
+              <a:t>07</a:t>
+            </a:r>
+            <a:endParaRPr lang="ko-KR" altLang="en-US" sz="4000" dirty="0">
               <a:solidFill>
                 <a:schemeClr val="bg1"/>
               </a:solidFill>
